--- a/An overview of gradient descent optimization algorithms.pptx
+++ b/An overview of gradient descent optimization algorithms.pptx
@@ -123,6 +123,11 @@
       </a:defRPr>
     </a:lvl9pPr>
   </p:defaultTextStyle>
+  <p:extLst>
+    <p:ext uri="{EFAFB233-063F-42B5-8137-9DF3F51BA10A}">
+      <p15:sldGuideLst xmlns:p15="http://schemas.microsoft.com/office/powerpoint/2012/main"/>
+    </p:ext>
+  </p:extLst>
 </p:presentation>
 </file>
 
@@ -8156,8 +8161,8 @@
           </a:prstGeom>
         </p:spPr>
       </p:pic>
-      <mc:AlternateContent xmlns:mc="http://schemas.openxmlformats.org/markup-compatibility/2006">
-        <mc:Choice xmlns:p14="http://schemas.microsoft.com/office/powerpoint/2010/main" Requires="p14">
+      <mc:AlternateContent xmlns:mc="http://schemas.openxmlformats.org/markup-compatibility/2006" xmlns:p14="http://schemas.microsoft.com/office/powerpoint/2010/main">
+        <mc:Choice Requires="p14">
           <p:contentPart p14:bwMode="auto" r:id="rId3">
             <p14:nvContentPartPr>
               <p14:cNvPr id="8" name="잉크 7">
@@ -8176,7 +8181,7 @@
             </p14:xfrm>
           </p:contentPart>
         </mc:Choice>
-        <mc:Fallback>
+        <mc:Fallback xmlns="">
           <p:pic>
             <p:nvPicPr>
               <p:cNvPr id="8" name="잉크 7">
@@ -8207,8 +8212,8 @@
           </p:pic>
         </mc:Fallback>
       </mc:AlternateContent>
-      <mc:AlternateContent xmlns:mc="http://schemas.openxmlformats.org/markup-compatibility/2006">
-        <mc:Choice xmlns:p14="http://schemas.microsoft.com/office/powerpoint/2010/main" Requires="p14">
+      <mc:AlternateContent xmlns:mc="http://schemas.openxmlformats.org/markup-compatibility/2006" xmlns:p14="http://schemas.microsoft.com/office/powerpoint/2010/main">
+        <mc:Choice Requires="p14">
           <p:contentPart p14:bwMode="auto" r:id="rId5">
             <p14:nvContentPartPr>
               <p14:cNvPr id="9" name="잉크 8">
@@ -8227,7 +8232,7 @@
             </p14:xfrm>
           </p:contentPart>
         </mc:Choice>
-        <mc:Fallback>
+        <mc:Fallback xmlns="">
           <p:pic>
             <p:nvPicPr>
               <p:cNvPr id="9" name="잉크 8">
@@ -8768,8 +8773,8 @@
           </a:prstGeom>
         </p:spPr>
       </p:pic>
-      <mc:AlternateContent xmlns:mc="http://schemas.openxmlformats.org/markup-compatibility/2006">
-        <mc:Choice xmlns:p14="http://schemas.microsoft.com/office/powerpoint/2010/main" Requires="p14">
+      <mc:AlternateContent xmlns:mc="http://schemas.openxmlformats.org/markup-compatibility/2006" xmlns:p14="http://schemas.microsoft.com/office/powerpoint/2010/main">
+        <mc:Choice Requires="p14">
           <p:contentPart p14:bwMode="auto" r:id="rId3">
             <p14:nvContentPartPr>
               <p14:cNvPr id="6" name="잉크 5">
@@ -8788,7 +8793,7 @@
             </p14:xfrm>
           </p:contentPart>
         </mc:Choice>
-        <mc:Fallback>
+        <mc:Fallback xmlns="">
           <p:pic>
             <p:nvPicPr>
               <p:cNvPr id="6" name="잉크 5">
@@ -8819,8 +8824,8 @@
           </p:pic>
         </mc:Fallback>
       </mc:AlternateContent>
-      <mc:AlternateContent xmlns:mc="http://schemas.openxmlformats.org/markup-compatibility/2006">
-        <mc:Choice xmlns:p14="http://schemas.microsoft.com/office/powerpoint/2010/main" Requires="p14">
+      <mc:AlternateContent xmlns:mc="http://schemas.openxmlformats.org/markup-compatibility/2006" xmlns:p14="http://schemas.microsoft.com/office/powerpoint/2010/main">
+        <mc:Choice Requires="p14">
           <p:contentPart p14:bwMode="auto" r:id="rId5">
             <p14:nvContentPartPr>
               <p14:cNvPr id="11" name="잉크 10">
@@ -8839,7 +8844,7 @@
             </p14:xfrm>
           </p:contentPart>
         </mc:Choice>
-        <mc:Fallback>
+        <mc:Fallback xmlns="">
           <p:pic>
             <p:nvPicPr>
               <p:cNvPr id="11" name="잉크 10">
@@ -9174,6 +9179,41 @@
             <a:r>
               <a:rPr lang="ko-KR" altLang="en-US" dirty="0"/>
               <a:t>를 사용한다고 한다</a:t>
+            </a:r>
+            <a:endParaRPr lang="en-US" altLang="ko-KR" dirty="0"/>
+          </a:p>
+          <a:p>
+            <a:r>
+              <a:rPr lang="en-US" altLang="ko-KR" dirty="0"/>
+              <a:t>RMSprop, </a:t>
+            </a:r>
+            <a:r>
+              <a:rPr lang="en-US" altLang="ko-KR" dirty="0" err="1"/>
+              <a:t>Adadelta</a:t>
+            </a:r>
+            <a:r>
+              <a:rPr lang="en-US" altLang="ko-KR" dirty="0"/>
+              <a:t>, Adam</a:t>
+            </a:r>
+            <a:r>
+              <a:rPr lang="ko-KR" altLang="en-US" dirty="0"/>
+              <a:t>이 비슷한 결과</a:t>
+            </a:r>
+            <a:r>
+              <a:rPr lang="en-US" altLang="ko-KR" dirty="0"/>
+              <a:t>, </a:t>
+            </a:r>
+            <a:r>
+              <a:rPr lang="ko-KR" altLang="en-US" dirty="0"/>
+              <a:t>그러나 </a:t>
+            </a:r>
+            <a:r>
+              <a:rPr lang="en-US" altLang="ko-KR" dirty="0"/>
+              <a:t>Adam</a:t>
+            </a:r>
+            <a:r>
+              <a:rPr lang="ko-KR" altLang="en-US" dirty="0"/>
+              <a:t>이 조금 더 나은 성능을 보인다</a:t>
             </a:r>
           </a:p>
         </p:txBody>
